--- a/EC)Basic 2주차.pptx
+++ b/EC)Basic 2주차.pptx
@@ -274,7 +274,7 @@
           <a:p>
             <a:fld id="{99D9758D-D09E-4F4D-9D6D-5374D685559F}" type="datetimeFigureOut">
               <a:rPr lang="ko-KR" altLang="en-US" smtClean="0"/>
-              <a:t>2021-03-08</a:t>
+              <a:t>2021-03-12</a:t>
             </a:fld>
             <a:endParaRPr lang="ko-KR" altLang="en-US"/>
           </a:p>
@@ -472,7 +472,7 @@
           <a:p>
             <a:fld id="{99D9758D-D09E-4F4D-9D6D-5374D685559F}" type="datetimeFigureOut">
               <a:rPr lang="ko-KR" altLang="en-US" smtClean="0"/>
-              <a:t>2021-03-08</a:t>
+              <a:t>2021-03-12</a:t>
             </a:fld>
             <a:endParaRPr lang="ko-KR" altLang="en-US"/>
           </a:p>
@@ -680,7 +680,7 @@
           <a:p>
             <a:fld id="{99D9758D-D09E-4F4D-9D6D-5374D685559F}" type="datetimeFigureOut">
               <a:rPr lang="ko-KR" altLang="en-US" smtClean="0"/>
-              <a:t>2021-03-08</a:t>
+              <a:t>2021-03-12</a:t>
             </a:fld>
             <a:endParaRPr lang="ko-KR" altLang="en-US"/>
           </a:p>
@@ -878,7 +878,7 @@
           <a:p>
             <a:fld id="{99D9758D-D09E-4F4D-9D6D-5374D685559F}" type="datetimeFigureOut">
               <a:rPr lang="ko-KR" altLang="en-US" smtClean="0"/>
-              <a:t>2021-03-08</a:t>
+              <a:t>2021-03-12</a:t>
             </a:fld>
             <a:endParaRPr lang="ko-KR" altLang="en-US"/>
           </a:p>
@@ -1153,7 +1153,7 @@
           <a:p>
             <a:fld id="{99D9758D-D09E-4F4D-9D6D-5374D685559F}" type="datetimeFigureOut">
               <a:rPr lang="ko-KR" altLang="en-US" smtClean="0"/>
-              <a:t>2021-03-08</a:t>
+              <a:t>2021-03-12</a:t>
             </a:fld>
             <a:endParaRPr lang="ko-KR" altLang="en-US"/>
           </a:p>
@@ -1418,7 +1418,7 @@
           <a:p>
             <a:fld id="{99D9758D-D09E-4F4D-9D6D-5374D685559F}" type="datetimeFigureOut">
               <a:rPr lang="ko-KR" altLang="en-US" smtClean="0"/>
-              <a:t>2021-03-08</a:t>
+              <a:t>2021-03-12</a:t>
             </a:fld>
             <a:endParaRPr lang="ko-KR" altLang="en-US"/>
           </a:p>
@@ -1830,7 +1830,7 @@
           <a:p>
             <a:fld id="{99D9758D-D09E-4F4D-9D6D-5374D685559F}" type="datetimeFigureOut">
               <a:rPr lang="ko-KR" altLang="en-US" smtClean="0"/>
-              <a:t>2021-03-08</a:t>
+              <a:t>2021-03-12</a:t>
             </a:fld>
             <a:endParaRPr lang="ko-KR" altLang="en-US"/>
           </a:p>
@@ -1971,7 +1971,7 @@
           <a:p>
             <a:fld id="{99D9758D-D09E-4F4D-9D6D-5374D685559F}" type="datetimeFigureOut">
               <a:rPr lang="ko-KR" altLang="en-US" smtClean="0"/>
-              <a:t>2021-03-08</a:t>
+              <a:t>2021-03-12</a:t>
             </a:fld>
             <a:endParaRPr lang="ko-KR" altLang="en-US"/>
           </a:p>
@@ -2084,7 +2084,7 @@
           <a:p>
             <a:fld id="{99D9758D-D09E-4F4D-9D6D-5374D685559F}" type="datetimeFigureOut">
               <a:rPr lang="ko-KR" altLang="en-US" smtClean="0"/>
-              <a:t>2021-03-08</a:t>
+              <a:t>2021-03-12</a:t>
             </a:fld>
             <a:endParaRPr lang="ko-KR" altLang="en-US"/>
           </a:p>
@@ -2395,7 +2395,7 @@
           <a:p>
             <a:fld id="{99D9758D-D09E-4F4D-9D6D-5374D685559F}" type="datetimeFigureOut">
               <a:rPr lang="ko-KR" altLang="en-US" smtClean="0"/>
-              <a:t>2021-03-08</a:t>
+              <a:t>2021-03-12</a:t>
             </a:fld>
             <a:endParaRPr lang="ko-KR" altLang="en-US"/>
           </a:p>
@@ -2683,7 +2683,7 @@
           <a:p>
             <a:fld id="{99D9758D-D09E-4F4D-9D6D-5374D685559F}" type="datetimeFigureOut">
               <a:rPr lang="ko-KR" altLang="en-US" smtClean="0"/>
-              <a:t>2021-03-08</a:t>
+              <a:t>2021-03-12</a:t>
             </a:fld>
             <a:endParaRPr lang="ko-KR" altLang="en-US"/>
           </a:p>
@@ -2927,7 +2927,7 @@
           <a:p>
             <a:fld id="{99D9758D-D09E-4F4D-9D6D-5374D685559F}" type="datetimeFigureOut">
               <a:rPr lang="ko-KR" altLang="en-US" smtClean="0"/>
-              <a:t>2021-03-08</a:t>
+              <a:t>2021-03-12</a:t>
             </a:fld>
             <a:endParaRPr lang="ko-KR" altLang="en-US"/>
           </a:p>

--- a/EC)Basic 2주차.pptx
+++ b/EC)Basic 2주차.pptx
@@ -274,7 +274,7 @@
           <a:p>
             <a:fld id="{99D9758D-D09E-4F4D-9D6D-5374D685559F}" type="datetimeFigureOut">
               <a:rPr lang="ko-KR" altLang="en-US" smtClean="0"/>
-              <a:t>2021-03-12</a:t>
+              <a:t>2021-03-29</a:t>
             </a:fld>
             <a:endParaRPr lang="ko-KR" altLang="en-US"/>
           </a:p>
@@ -472,7 +472,7 @@
           <a:p>
             <a:fld id="{99D9758D-D09E-4F4D-9D6D-5374D685559F}" type="datetimeFigureOut">
               <a:rPr lang="ko-KR" altLang="en-US" smtClean="0"/>
-              <a:t>2021-03-12</a:t>
+              <a:t>2021-03-29</a:t>
             </a:fld>
             <a:endParaRPr lang="ko-KR" altLang="en-US"/>
           </a:p>
@@ -680,7 +680,7 @@
           <a:p>
             <a:fld id="{99D9758D-D09E-4F4D-9D6D-5374D685559F}" type="datetimeFigureOut">
               <a:rPr lang="ko-KR" altLang="en-US" smtClean="0"/>
-              <a:t>2021-03-12</a:t>
+              <a:t>2021-03-29</a:t>
             </a:fld>
             <a:endParaRPr lang="ko-KR" altLang="en-US"/>
           </a:p>
@@ -878,7 +878,7 @@
           <a:p>
             <a:fld id="{99D9758D-D09E-4F4D-9D6D-5374D685559F}" type="datetimeFigureOut">
               <a:rPr lang="ko-KR" altLang="en-US" smtClean="0"/>
-              <a:t>2021-03-12</a:t>
+              <a:t>2021-03-29</a:t>
             </a:fld>
             <a:endParaRPr lang="ko-KR" altLang="en-US"/>
           </a:p>
@@ -1153,7 +1153,7 @@
           <a:p>
             <a:fld id="{99D9758D-D09E-4F4D-9D6D-5374D685559F}" type="datetimeFigureOut">
               <a:rPr lang="ko-KR" altLang="en-US" smtClean="0"/>
-              <a:t>2021-03-12</a:t>
+              <a:t>2021-03-29</a:t>
             </a:fld>
             <a:endParaRPr lang="ko-KR" altLang="en-US"/>
           </a:p>
@@ -1418,7 +1418,7 @@
           <a:p>
             <a:fld id="{99D9758D-D09E-4F4D-9D6D-5374D685559F}" type="datetimeFigureOut">
               <a:rPr lang="ko-KR" altLang="en-US" smtClean="0"/>
-              <a:t>2021-03-12</a:t>
+              <a:t>2021-03-29</a:t>
             </a:fld>
             <a:endParaRPr lang="ko-KR" altLang="en-US"/>
           </a:p>
@@ -1830,7 +1830,7 @@
           <a:p>
             <a:fld id="{99D9758D-D09E-4F4D-9D6D-5374D685559F}" type="datetimeFigureOut">
               <a:rPr lang="ko-KR" altLang="en-US" smtClean="0"/>
-              <a:t>2021-03-12</a:t>
+              <a:t>2021-03-29</a:t>
             </a:fld>
             <a:endParaRPr lang="ko-KR" altLang="en-US"/>
           </a:p>
@@ -1971,7 +1971,7 @@
           <a:p>
             <a:fld id="{99D9758D-D09E-4F4D-9D6D-5374D685559F}" type="datetimeFigureOut">
               <a:rPr lang="ko-KR" altLang="en-US" smtClean="0"/>
-              <a:t>2021-03-12</a:t>
+              <a:t>2021-03-29</a:t>
             </a:fld>
             <a:endParaRPr lang="ko-KR" altLang="en-US"/>
           </a:p>
@@ -2084,7 +2084,7 @@
           <a:p>
             <a:fld id="{99D9758D-D09E-4F4D-9D6D-5374D685559F}" type="datetimeFigureOut">
               <a:rPr lang="ko-KR" altLang="en-US" smtClean="0"/>
-              <a:t>2021-03-12</a:t>
+              <a:t>2021-03-29</a:t>
             </a:fld>
             <a:endParaRPr lang="ko-KR" altLang="en-US"/>
           </a:p>
@@ -2395,7 +2395,7 @@
           <a:p>
             <a:fld id="{99D9758D-D09E-4F4D-9D6D-5374D685559F}" type="datetimeFigureOut">
               <a:rPr lang="ko-KR" altLang="en-US" smtClean="0"/>
-              <a:t>2021-03-12</a:t>
+              <a:t>2021-03-29</a:t>
             </a:fld>
             <a:endParaRPr lang="ko-KR" altLang="en-US"/>
           </a:p>
@@ -2683,7 +2683,7 @@
           <a:p>
             <a:fld id="{99D9758D-D09E-4F4D-9D6D-5374D685559F}" type="datetimeFigureOut">
               <a:rPr lang="ko-KR" altLang="en-US" smtClean="0"/>
-              <a:t>2021-03-12</a:t>
+              <a:t>2021-03-29</a:t>
             </a:fld>
             <a:endParaRPr lang="ko-KR" altLang="en-US"/>
           </a:p>
@@ -2927,7 +2927,7 @@
           <a:p>
             <a:fld id="{99D9758D-D09E-4F4D-9D6D-5374D685559F}" type="datetimeFigureOut">
               <a:rPr lang="ko-KR" altLang="en-US" smtClean="0"/>
-              <a:t>2021-03-12</a:t>
+              <a:t>2021-03-29</a:t>
             </a:fld>
             <a:endParaRPr lang="ko-KR" altLang="en-US"/>
           </a:p>
@@ -12928,7 +12928,7 @@
                   </a:outerShdw>
                 </a:effectLst>
               </a:rPr>
-              <a:t>number;</a:t>
+              <a:t>number = 1;</a:t>
             </a:r>
           </a:p>
           <a:p>
